--- a/docs/CC_NimaMehranfar.pptx
+++ b/docs/CC_NimaMehranfar.pptx
@@ -228,7 +228,7 @@
           <a:p>
             <a:fld id="{69D89422-C562-447A-BAC5-8BAA4D0CDE0A}" type="datetimeFigureOut">
               <a:rPr lang="en-US" smtClean="0"/>
-              <a:t>2/18/2026</a:t>
+              <a:t>2/20/2026</a:t>
             </a:fld>
             <a:endParaRPr lang="en-US"/>
           </a:p>
@@ -590,7 +590,7 @@
                 <a:cs typeface="IBM Plex Sans Bold"/>
                 <a:sym typeface="IBM Plex Sans Bold"/>
               </a:rPr>
-              <a:t> is a full-stack cloud application built entirely on Microsoft Azure services, with no on-premise components.</a:t>
+              <a:t> is a full-stack cloud application built entirely on Microsoft Azure services.</a:t>
             </a:r>
             <a:endParaRPr lang="en-US" dirty="0"/>
           </a:p>
@@ -803,6 +803,13 @@
           <a:p>
             <a:r>
               <a:rPr lang="en-GB" sz="4000" dirty="0"/>
+              <a:t>So what problem we are trying to solve?</a:t>
+            </a:r>
+            <a:br>
+              <a:rPr lang="en-GB" sz="4000" dirty="0"/>
+            </a:br>
+            <a:r>
+              <a:rPr lang="en-GB" sz="4000" dirty="0"/>
               <a:t>The </a:t>
             </a:r>
             <a:r>
@@ -833,7 +840,7 @@
                 <a:effectLst/>
                 <a:latin typeface="Google Sans"/>
               </a:rPr>
-              <a:t> size</a:t>
+              <a:t>size</a:t>
             </a:r>
             <a:r>
               <a:rPr lang="en-GB" sz="4000" b="0" i="0" dirty="0">
@@ -870,7 +877,21 @@
             </a:br>
             <a:r>
               <a:rPr lang="en-GB" sz="2800" dirty="0"/>
-              <a:t>A detective uploading a 40-minute audio interview and being able to search for the word "knife" across all evidence and finding connection between the evidences is a good example for that..</a:t>
+              <a:t>A detective being able to search for the word "knife" across all evidences while some evidences maybe is a 40-minute audio interview or </a:t>
+            </a:r>
+            <a:r>
+              <a:rPr lang="en-US" sz="4000" b="0" i="0" dirty="0">
+                <a:solidFill>
+                  <a:srgbClr val="E8E8E8"/>
+                </a:solidFill>
+                <a:effectLst/>
+                <a:latin typeface="Google Sans"/>
+              </a:rPr>
+              <a:t>interrogation</a:t>
+            </a:r>
+            <a:r>
+              <a:rPr lang="en-GB" sz="2800" dirty="0"/>
+              <a:t> is a good example for that..</a:t>
             </a:r>
             <a:br>
               <a:rPr lang="en-GB" sz="2800" dirty="0"/>
@@ -880,7 +901,7 @@
           <a:p>
             <a:r>
               <a:rPr lang="en-GB" sz="2800" dirty="0"/>
-              <a:t>The goal is to use cloud platform with </a:t>
+              <a:t>The goal is to use cloud platform without any </a:t>
             </a:r>
             <a:r>
               <a:rPr lang="en-US" sz="4000" dirty="0"/>
@@ -976,29 +997,7 @@
           <a:p>
             <a:r>
               <a:rPr lang="en-GB" dirty="0"/>
-              <a:t>browser uploads files DIRECTLY to Blob </a:t>
-            </a:r>
-            <a:r>
-              <a:rPr lang="en-GB" dirty="0" err="1"/>
-              <a:t>Storageusing</a:t>
-            </a:r>
-            <a:r>
-              <a:rPr lang="en-GB" dirty="0"/>
-              <a:t> a SAS(</a:t>
-            </a:r>
-            <a:r>
-              <a:rPr lang="en-US" b="0" i="0" dirty="0">
-                <a:solidFill>
-                  <a:srgbClr val="EEF0FF"/>
-                </a:solidFill>
-                <a:effectLst/>
-                <a:latin typeface="Google Sans"/>
-              </a:rPr>
-              <a:t>Shared Access Signature</a:t>
-            </a:r>
-            <a:r>
-              <a:rPr lang="en-GB" dirty="0"/>
-              <a:t>)  URL — the backend never touches the file bytes.</a:t>
+              <a:t>This application uses some cloud services that you can see. So couple of important notes that I have to mention is</a:t>
             </a:r>
             <a:br>
               <a:rPr lang="en-GB" dirty="0"/>
@@ -1008,7 +1007,21 @@
             </a:br>
             <a:r>
               <a:rPr lang="en-GB" dirty="0"/>
-              <a:t>key Vault + Managed Identity means there are zero plaintext credentials and secrets exposed anywhere.</a:t>
+              <a:t>browser uploads files DIRECTLY to Blob Storage using a SAS(</a:t>
+            </a:r>
+            <a:r>
+              <a:rPr lang="en-US" b="0" i="0" dirty="0">
+                <a:solidFill>
+                  <a:srgbClr val="EEF0FF"/>
+                </a:solidFill>
+                <a:effectLst/>
+                <a:latin typeface="Google Sans"/>
+              </a:rPr>
+              <a:t>Shared Access Signature</a:t>
+            </a:r>
+            <a:r>
+              <a:rPr lang="en-GB" dirty="0"/>
+              <a:t>)  URL — the backend never touches the file bytes.</a:t>
             </a:r>
             <a:br>
               <a:rPr lang="en-GB" dirty="0"/>
@@ -1018,7 +1031,25 @@
             </a:br>
             <a:r>
               <a:rPr lang="en-GB" dirty="0"/>
-              <a:t>I Wanted to deploy object detection in computer vision service but it required custom model and increased complexity,</a:t>
+              <a:t>key Vault + Managed Identity means there are zero plaintext credentials and secrets exposed anywhere.</a:t>
+            </a:r>
+            <a:br>
+              <a:rPr lang="en-GB" dirty="0"/>
+            </a:br>
+            <a:br>
+              <a:rPr lang="en-GB" dirty="0"/>
+            </a:br>
+            <a:r>
+              <a:rPr lang="en-GB" dirty="0"/>
+              <a:t>I Wanted to deploy object detection in computer vision service but it required custom model and increased complexity so I just have </a:t>
+            </a:r>
+            <a:r>
+              <a:rPr lang="en-GB" dirty="0" err="1"/>
+              <a:t>ocr</a:t>
+            </a:r>
+            <a:r>
+              <a:rPr lang="en-GB" dirty="0"/>
+              <a:t> from computer vision service.</a:t>
             </a:r>
             <a:endParaRPr lang="en-US" dirty="0"/>
           </a:p>
@@ -1106,7 +1137,7 @@
           <a:p>
             <a:r>
               <a:rPr lang="en-GB" dirty="0"/>
-              <a:t>Azure </a:t>
+              <a:t>For auth and access control, basically Azure </a:t>
             </a:r>
             <a:r>
               <a:rPr lang="en-GB" dirty="0" err="1"/>
@@ -1121,7 +1152,17 @@
             </a:br>
             <a:r>
               <a:rPr lang="en-GB" dirty="0"/>
-              <a:t>APIM AND Functions validate JWT independently and also fronted manages role based access to components and routes and functionalities.</a:t>
+              <a:t>APIM service AND Functions validate JWT independently and also fronted manages role based access to components and routes and functionalities.</a:t>
+            </a:r>
+            <a:br>
+              <a:rPr lang="en-GB" dirty="0"/>
+            </a:br>
+            <a:br>
+              <a:rPr lang="en-GB" dirty="0"/>
+            </a:br>
+            <a:r>
+              <a:rPr lang="en-GB" dirty="0"/>
+              <a:t>We have 3 roles for now.</a:t>
             </a:r>
             <a:endParaRPr lang="en-US" dirty="0"/>
           </a:p>
@@ -1209,15 +1250,7 @@
           <a:p>
             <a:r>
               <a:rPr lang="en-GB" dirty="0"/>
-              <a:t>Step 1: upload-</a:t>
-            </a:r>
-            <a:r>
-              <a:rPr lang="en-GB" dirty="0" err="1"/>
-              <a:t>init</a:t>
-            </a:r>
-            <a:r>
-              <a:rPr lang="en-GB" dirty="0"/>
-              <a:t> → returns SAS URL and </a:t>
+              <a:t>Step 1: upload-initializes  → returns SAS URL and </a:t>
             </a:r>
             <a:r>
               <a:rPr lang="en-GB" dirty="0" err="1"/>
@@ -1266,6 +1299,16 @@
             <a:r>
               <a:rPr lang="en-GB" dirty="0"/>
               <a:t>Step 4: status endpoint used for polling (processing progress)</a:t>
+            </a:r>
+            <a:br>
+              <a:rPr lang="en-GB" dirty="0"/>
+            </a:br>
+            <a:br>
+              <a:rPr lang="en-GB" dirty="0"/>
+            </a:br>
+            <a:r>
+              <a:rPr lang="en-GB" dirty="0"/>
+              <a:t>what happens in the backend: file lands on blob storage and triggers a function which processes the files based on it’s type and saves extracted data on cosmos db. Then we search it.</a:t>
             </a:r>
             <a:endParaRPr lang="en-US" dirty="0"/>
           </a:p>
@@ -1829,7 +1872,7 @@
             <a:fld id="{1D8BD707-D9CF-40AE-B4C6-C98DA3205C09}" type="datetimeFigureOut">
               <a:rPr lang="en-US" smtClean="0"/>
               <a:pPr/>
-              <a:t>2/18/2026</a:t>
+              <a:t>2/20/2026</a:t>
             </a:fld>
             <a:endParaRPr lang="en-US"/>
           </a:p>
@@ -1994,7 +2037,7 @@
             <a:fld id="{1D8BD707-D9CF-40AE-B4C6-C98DA3205C09}" type="datetimeFigureOut">
               <a:rPr lang="en-US" smtClean="0"/>
               <a:pPr/>
-              <a:t>2/18/2026</a:t>
+              <a:t>2/20/2026</a:t>
             </a:fld>
             <a:endParaRPr lang="en-US"/>
           </a:p>
@@ -2169,7 +2212,7 @@
             <a:fld id="{1D8BD707-D9CF-40AE-B4C6-C98DA3205C09}" type="datetimeFigureOut">
               <a:rPr lang="en-US" smtClean="0"/>
               <a:pPr/>
-              <a:t>2/18/2026</a:t>
+              <a:t>2/20/2026</a:t>
             </a:fld>
             <a:endParaRPr lang="en-US"/>
           </a:p>
@@ -2334,7 +2377,7 @@
             <a:fld id="{1D8BD707-D9CF-40AE-B4C6-C98DA3205C09}" type="datetimeFigureOut">
               <a:rPr lang="en-US" smtClean="0"/>
               <a:pPr/>
-              <a:t>2/18/2026</a:t>
+              <a:t>2/20/2026</a:t>
             </a:fld>
             <a:endParaRPr lang="en-US"/>
           </a:p>
@@ -2576,7 +2619,7 @@
             <a:fld id="{1D8BD707-D9CF-40AE-B4C6-C98DA3205C09}" type="datetimeFigureOut">
               <a:rPr lang="en-US" smtClean="0"/>
               <a:pPr/>
-              <a:t>2/18/2026</a:t>
+              <a:t>2/20/2026</a:t>
             </a:fld>
             <a:endParaRPr lang="en-US"/>
           </a:p>
@@ -2858,7 +2901,7 @@
             <a:fld id="{1D8BD707-D9CF-40AE-B4C6-C98DA3205C09}" type="datetimeFigureOut">
               <a:rPr lang="en-US" smtClean="0"/>
               <a:pPr/>
-              <a:t>2/18/2026</a:t>
+              <a:t>2/20/2026</a:t>
             </a:fld>
             <a:endParaRPr lang="en-US"/>
           </a:p>
@@ -3274,7 +3317,7 @@
             <a:fld id="{1D8BD707-D9CF-40AE-B4C6-C98DA3205C09}" type="datetimeFigureOut">
               <a:rPr lang="en-US" smtClean="0"/>
               <a:pPr/>
-              <a:t>2/18/2026</a:t>
+              <a:t>2/20/2026</a:t>
             </a:fld>
             <a:endParaRPr lang="en-US"/>
           </a:p>
@@ -3388,7 +3431,7 @@
             <a:fld id="{1D8BD707-D9CF-40AE-B4C6-C98DA3205C09}" type="datetimeFigureOut">
               <a:rPr lang="en-US" smtClean="0"/>
               <a:pPr/>
-              <a:t>2/18/2026</a:t>
+              <a:t>2/20/2026</a:t>
             </a:fld>
             <a:endParaRPr lang="en-US"/>
           </a:p>
@@ -3480,7 +3523,7 @@
             <a:fld id="{1D8BD707-D9CF-40AE-B4C6-C98DA3205C09}" type="datetimeFigureOut">
               <a:rPr lang="en-US" smtClean="0"/>
               <a:pPr/>
-              <a:t>2/18/2026</a:t>
+              <a:t>2/20/2026</a:t>
             </a:fld>
             <a:endParaRPr lang="en-US"/>
           </a:p>
@@ -3752,7 +3795,7 @@
             <a:fld id="{1D8BD707-D9CF-40AE-B4C6-C98DA3205C09}" type="datetimeFigureOut">
               <a:rPr lang="en-US" smtClean="0"/>
               <a:pPr/>
-              <a:t>2/18/2026</a:t>
+              <a:t>2/20/2026</a:t>
             </a:fld>
             <a:endParaRPr lang="en-US"/>
           </a:p>
@@ -4001,7 +4044,7 @@
             <a:fld id="{1D8BD707-D9CF-40AE-B4C6-C98DA3205C09}" type="datetimeFigureOut">
               <a:rPr lang="en-US" smtClean="0"/>
               <a:pPr/>
-              <a:t>2/18/2026</a:t>
+              <a:t>2/20/2026</a:t>
             </a:fld>
             <a:endParaRPr lang="en-US"/>
           </a:p>
@@ -4209,7 +4252,7 @@
             <a:fld id="{1D8BD707-D9CF-40AE-B4C6-C98DA3205C09}" type="datetimeFigureOut">
               <a:rPr lang="en-US" smtClean="0"/>
               <a:pPr/>
-              <a:t>2/18/2026</a:t>
+              <a:t>2/20/2026</a:t>
             </a:fld>
             <a:endParaRPr lang="en-US"/>
           </a:p>
@@ -10392,7 +10435,7 @@
                 <a:cs typeface="IBM Plex Sans Bold"/>
                 <a:sym typeface="IBM Plex Sans Bold"/>
               </a:rPr>
-              <a:t>prosecutor : </a:t>
+              <a:t>Prosecutor : </a:t>
             </a:r>
             <a:r>
               <a:rPr lang="en-GB" sz="2000" b="1" spc="26" dirty="0">
